--- a/Final_Project_Presentation.pptx
+++ b/Final_Project_Presentation.pptx
@@ -7,10 +7,8 @@
   <p:sldIdLst>
     <p:sldId id="256" r:id="rId2"/>
     <p:sldId id="258" r:id="rId3"/>
-    <p:sldId id="257" r:id="rId4"/>
-    <p:sldId id="259" r:id="rId5"/>
-    <p:sldId id="260" r:id="rId6"/>
-    <p:sldId id="261" r:id="rId7"/>
+    <p:sldId id="262" r:id="rId4"/>
+    <p:sldId id="257" r:id="rId5"/>
   </p:sldIdLst>
   <p:sldSz cx="9144000" cy="6858000" type="screen4x3"/>
   <p:notesSz cx="6858000" cy="9144000"/>
@@ -3341,7 +3339,7 @@
       </p:grpSpPr>
       <p:sp>
         <p:nvSpPr>
-          <p:cNvPr id="6" name="TextBox 5"/>
+          <p:cNvPr id="3" name="TextBox 2"/>
           <p:cNvSpPr txBox="1"/>
           <p:nvPr/>
         </p:nvSpPr>
@@ -3363,7 +3361,7 @@
           <a:p>
             <a:r>
               <a:rPr lang="en-US" sz="3200" dirty="0" smtClean="0"/>
-              <a:t>Data Analysis</a:t>
+              <a:t>Market Trends</a:t>
             </a:r>
             <a:endParaRPr lang="en-US" sz="3200" dirty="0"/>
           </a:p>
@@ -3371,14 +3369,14 @@
       </p:sp>
       <p:sp>
         <p:nvSpPr>
-          <p:cNvPr id="5" name="TextBox 4"/>
+          <p:cNvPr id="2" name="TextBox 1"/>
           <p:cNvSpPr txBox="1"/>
           <p:nvPr/>
         </p:nvSpPr>
         <p:spPr>
           <a:xfrm>
-            <a:off x="228600" y="838200"/>
-            <a:ext cx="4076700" cy="2308324"/>
+            <a:off x="533400" y="616974"/>
+            <a:ext cx="8153400" cy="923330"/>
           </a:xfrm>
           <a:prstGeom prst="rect">
             <a:avLst/>
@@ -3393,31 +3391,147 @@
           <a:p>
             <a:r>
               <a:rPr lang="en-US" dirty="0" smtClean="0"/>
-              <a:t>This is the analysis of the dataset showing the property features that will most accurately affect price</a:t>
+              <a:t>Predictors – variables used to determine affects on home prices.</a:t>
+            </a:r>
+          </a:p>
+          <a:p>
+            <a:r>
+              <a:rPr lang="en-US" dirty="0" err="1" smtClean="0"/>
+              <a:t>Coef</a:t>
             </a:r>
             <a:r>
               <a:rPr lang="en-US" dirty="0" smtClean="0"/>
-              <a:t>.</a:t>
-            </a:r>
-          </a:p>
-          <a:p>
+              <a:t> – amount increase in expected price if these are true</a:t>
+            </a:r>
+          </a:p>
+          <a:p>
+            <a:r>
+              <a:rPr lang="en-US" dirty="0" smtClean="0"/>
+              <a:t>P-Values – statistical acceptance of the </a:t>
+            </a:r>
+            <a:r>
+              <a:rPr lang="en-US" dirty="0" err="1" smtClean="0"/>
+              <a:t>Coef</a:t>
+            </a:r>
             <a:endParaRPr lang="en-US" dirty="0"/>
           </a:p>
-          <a:p>
-            <a:r>
-              <a:rPr lang="en-US" dirty="0" smtClean="0"/>
-              <a:t>The model will explain 68% of the variance between price and each feature.  </a:t>
-            </a:r>
-          </a:p>
-          <a:p>
-            <a:endParaRPr lang="en-US" dirty="0"/>
-          </a:p>
-          <a:p>
-            <a:r>
-              <a:rPr lang="en-US" dirty="0" smtClean="0"/>
-              <a:t>For each </a:t>
-            </a:r>
-            <a:endParaRPr lang="en-US" dirty="0"/>
+        </p:txBody>
+      </p:sp>
+      <p:pic>
+        <p:nvPicPr>
+          <p:cNvPr id="5123" name="Picture 3"/>
+          <p:cNvPicPr>
+            <a:picLocks noChangeAspect="1" noChangeArrowheads="1"/>
+          </p:cNvPicPr>
+          <p:nvPr/>
+        </p:nvPicPr>
+        <p:blipFill>
+          <a:blip r:embed="rId2">
+            <a:extLst>
+              <a:ext uri="{28A0092B-C50C-407E-A947-70E740481C1C}">
+                <a14:useLocalDpi xmlns:a14="http://schemas.microsoft.com/office/drawing/2010/main" val="0"/>
+              </a:ext>
+            </a:extLst>
+          </a:blip>
+          <a:srcRect/>
+          <a:stretch>
+            <a:fillRect/>
+          </a:stretch>
+        </p:blipFill>
+        <p:spPr bwMode="auto">
+          <a:xfrm>
+            <a:off x="903861" y="2236839"/>
+            <a:ext cx="7412477" cy="3657600"/>
+          </a:xfrm>
+          <a:prstGeom prst="rect">
+            <a:avLst/>
+          </a:prstGeom>
+          <a:noFill/>
+          <a:ln>
+            <a:noFill/>
+          </a:ln>
+          <a:extLst>
+            <a:ext uri="{909E8E84-426E-40DD-AFC4-6F175D3DCCD1}">
+              <a14:hiddenFill xmlns:a14="http://schemas.microsoft.com/office/drawing/2010/main">
+                <a:solidFill>
+                  <a:schemeClr val="accent1"/>
+                </a:solidFill>
+              </a14:hiddenFill>
+            </a:ext>
+            <a:ext uri="{91240B29-F687-4F45-9708-019B960494DF}">
+              <a14:hiddenLine xmlns:a14="http://schemas.microsoft.com/office/drawing/2010/main" w="9525">
+                <a:solidFill>
+                  <a:schemeClr val="tx1"/>
+                </a:solidFill>
+                <a:miter lim="800000"/>
+                <a:headEnd/>
+                <a:tailEnd/>
+              </a14:hiddenLine>
+            </a:ext>
+          </a:extLst>
+        </p:spPr>
+      </p:pic>
+    </p:spTree>
+    <p:extLst>
+      <p:ext uri="{BB962C8B-B14F-4D97-AF65-F5344CB8AC3E}">
+        <p14:creationId xmlns:p14="http://schemas.microsoft.com/office/powerpoint/2010/main" val="3469035368"/>
+      </p:ext>
+    </p:extLst>
+  </p:cSld>
+  <p:clrMapOvr>
+    <a:masterClrMapping/>
+  </p:clrMapOvr>
+</p:sld>
+</file>
+
+<file path=ppt/slides/slide4.xml><?xml version="1.0" encoding="utf-8"?>
+<p:sld xmlns:a="http://schemas.openxmlformats.org/drawingml/2006/main" xmlns:r="http://schemas.openxmlformats.org/officeDocument/2006/relationships" xmlns:p="http://schemas.openxmlformats.org/presentationml/2006/main">
+  <p:cSld>
+    <p:spTree>
+      <p:nvGrpSpPr>
+        <p:cNvPr id="1" name=""/>
+        <p:cNvGrpSpPr/>
+        <p:nvPr/>
+      </p:nvGrpSpPr>
+      <p:grpSpPr>
+        <a:xfrm>
+          <a:off x="0" y="0"/>
+          <a:ext cx="0" cy="0"/>
+          <a:chOff x="0" y="0"/>
+          <a:chExt cx="0" cy="0"/>
+        </a:xfrm>
+      </p:grpSpPr>
+      <p:sp>
+        <p:nvSpPr>
+          <p:cNvPr id="6" name="TextBox 5"/>
+          <p:cNvSpPr txBox="1"/>
+          <p:nvPr/>
+        </p:nvSpPr>
+        <p:spPr>
+          <a:xfrm>
+            <a:off x="533400" y="32199"/>
+            <a:ext cx="8153400" cy="584775"/>
+          </a:xfrm>
+          <a:prstGeom prst="rect">
+            <a:avLst/>
+          </a:prstGeom>
+          <a:noFill/>
+        </p:spPr>
+        <p:txBody>
+          <a:bodyPr wrap="square" rtlCol="0">
+            <a:spAutoFit/>
+          </a:bodyPr>
+          <a:lstStyle/>
+          <a:p>
+            <a:r>
+              <a:rPr lang="en-US" sz="3200" dirty="0" smtClean="0"/>
+              <a:t>Appendix: Data </a:t>
+            </a:r>
+            <a:r>
+              <a:rPr lang="en-US" sz="3200" dirty="0" smtClean="0"/>
+              <a:t>Analysis</a:t>
+            </a:r>
+            <a:endParaRPr lang="en-US" sz="3200" dirty="0"/>
           </a:p>
         </p:txBody>
       </p:sp>
@@ -3533,625 +3647,6 @@
     <p:extLst>
       <p:ext uri="{BB962C8B-B14F-4D97-AF65-F5344CB8AC3E}">
         <p14:creationId xmlns:p14="http://schemas.microsoft.com/office/powerpoint/2010/main" val="3782212089"/>
-      </p:ext>
-    </p:extLst>
-  </p:cSld>
-  <p:clrMapOvr>
-    <a:masterClrMapping/>
-  </p:clrMapOvr>
-</p:sld>
-</file>
-
-<file path=ppt/slides/slide4.xml><?xml version="1.0" encoding="utf-8"?>
-<p:sld xmlns:a="http://schemas.openxmlformats.org/drawingml/2006/main" xmlns:r="http://schemas.openxmlformats.org/officeDocument/2006/relationships" xmlns:p="http://schemas.openxmlformats.org/presentationml/2006/main">
-  <p:cSld>
-    <p:spTree>
-      <p:nvGrpSpPr>
-        <p:cNvPr id="1" name=""/>
-        <p:cNvGrpSpPr/>
-        <p:nvPr/>
-      </p:nvGrpSpPr>
-      <p:grpSpPr>
-        <a:xfrm>
-          <a:off x="0" y="0"/>
-          <a:ext cx="0" cy="0"/>
-          <a:chOff x="0" y="0"/>
-          <a:chExt cx="0" cy="0"/>
-        </a:xfrm>
-      </p:grpSpPr>
-      <p:sp>
-        <p:nvSpPr>
-          <p:cNvPr id="3" name="Content Placeholder 2"/>
-          <p:cNvSpPr>
-            <a:spLocks noGrp="1"/>
-          </p:cNvSpPr>
-          <p:nvPr>
-            <p:ph idx="1"/>
-          </p:nvPr>
-        </p:nvSpPr>
-        <p:spPr/>
-        <p:txBody>
-          <a:bodyPr/>
-          <a:lstStyle/>
-          <a:p>
-            <a:r>
-              <a:rPr lang="en-US" dirty="0" smtClean="0"/>
-              <a:t>R-squared = __% variance of the property price affected by ____ feature.</a:t>
-            </a:r>
-          </a:p>
-          <a:p>
-            <a:r>
-              <a:rPr lang="en-US" dirty="0" smtClean="0"/>
-              <a:t>The Intercept: A "unit" increase in TV spending is associated with a 0.0475 "unit" increase in Sales. OR An additional 1,000 spent on TV is associated with an increase in sales of 47.5</a:t>
-            </a:r>
-          </a:p>
-          <a:p>
-            <a:endParaRPr lang="en-US" dirty="0"/>
-          </a:p>
-        </p:txBody>
-      </p:sp>
-      <p:sp>
-        <p:nvSpPr>
-          <p:cNvPr id="4" name="TextBox 3"/>
-          <p:cNvSpPr txBox="1"/>
-          <p:nvPr/>
-        </p:nvSpPr>
-        <p:spPr>
-          <a:xfrm>
-            <a:off x="533400" y="32199"/>
-            <a:ext cx="8153400" cy="584775"/>
-          </a:xfrm>
-          <a:prstGeom prst="rect">
-            <a:avLst/>
-          </a:prstGeom>
-          <a:noFill/>
-        </p:spPr>
-        <p:txBody>
-          <a:bodyPr wrap="square" rtlCol="0">
-            <a:spAutoFit/>
-          </a:bodyPr>
-          <a:lstStyle/>
-          <a:p>
-            <a:r>
-              <a:rPr lang="en-US" sz="3200" dirty="0" smtClean="0"/>
-              <a:t>Data Analysis</a:t>
-            </a:r>
-            <a:endParaRPr lang="en-US" sz="3200" dirty="0"/>
-          </a:p>
-        </p:txBody>
-      </p:sp>
-    </p:spTree>
-    <p:extLst>
-      <p:ext uri="{BB962C8B-B14F-4D97-AF65-F5344CB8AC3E}">
-        <p14:creationId xmlns:p14="http://schemas.microsoft.com/office/powerpoint/2010/main" val="177246627"/>
-      </p:ext>
-    </p:extLst>
-  </p:cSld>
-  <p:clrMapOvr>
-    <a:masterClrMapping/>
-  </p:clrMapOvr>
-</p:sld>
-</file>
-
-<file path=ppt/slides/slide5.xml><?xml version="1.0" encoding="utf-8"?>
-<p:sld xmlns:a="http://schemas.openxmlformats.org/drawingml/2006/main" xmlns:r="http://schemas.openxmlformats.org/officeDocument/2006/relationships" xmlns:p="http://schemas.openxmlformats.org/presentationml/2006/main">
-  <p:cSld>
-    <p:spTree>
-      <p:nvGrpSpPr>
-        <p:cNvPr id="1" name=""/>
-        <p:cNvGrpSpPr/>
-        <p:nvPr/>
-      </p:nvGrpSpPr>
-      <p:grpSpPr>
-        <a:xfrm>
-          <a:off x="0" y="0"/>
-          <a:ext cx="0" cy="0"/>
-          <a:chOff x="0" y="0"/>
-          <a:chExt cx="0" cy="0"/>
-        </a:xfrm>
-      </p:grpSpPr>
-      <p:sp>
-        <p:nvSpPr>
-          <p:cNvPr id="2" name="TextBox 1"/>
-          <p:cNvSpPr txBox="1"/>
-          <p:nvPr/>
-        </p:nvSpPr>
-        <p:spPr>
-          <a:xfrm>
-            <a:off x="533400" y="32199"/>
-            <a:ext cx="8153400" cy="584775"/>
-          </a:xfrm>
-          <a:prstGeom prst="rect">
-            <a:avLst/>
-          </a:prstGeom>
-          <a:noFill/>
-        </p:spPr>
-        <p:txBody>
-          <a:bodyPr wrap="square" rtlCol="0">
-            <a:spAutoFit/>
-          </a:bodyPr>
-          <a:lstStyle/>
-          <a:p>
-            <a:r>
-              <a:rPr lang="en-US" sz="3200" dirty="0" smtClean="0"/>
-              <a:t>Selling Your Home</a:t>
-            </a:r>
-            <a:endParaRPr lang="en-US" sz="3200" dirty="0"/>
-          </a:p>
-        </p:txBody>
-      </p:sp>
-      <p:pic>
-        <p:nvPicPr>
-          <p:cNvPr id="3073" name="Picture 1"/>
-          <p:cNvPicPr>
-            <a:picLocks noChangeAspect="1" noChangeArrowheads="1"/>
-          </p:cNvPicPr>
-          <p:nvPr/>
-        </p:nvPicPr>
-        <p:blipFill>
-          <a:blip r:embed="rId2">
-            <a:extLst>
-              <a:ext uri="{28A0092B-C50C-407E-A947-70E740481C1C}">
-                <a14:useLocalDpi xmlns:a14="http://schemas.microsoft.com/office/drawing/2010/main" val="0"/>
-              </a:ext>
-            </a:extLst>
-          </a:blip>
-          <a:srcRect/>
-          <a:stretch>
-            <a:fillRect/>
-          </a:stretch>
-        </p:blipFill>
-        <p:spPr bwMode="auto">
-          <a:xfrm>
-            <a:off x="533400" y="762000"/>
-            <a:ext cx="4171100" cy="776288"/>
-          </a:xfrm>
-          <a:prstGeom prst="rect">
-            <a:avLst/>
-          </a:prstGeom>
-          <a:noFill/>
-          <a:ln>
-            <a:noFill/>
-          </a:ln>
-          <a:extLst>
-            <a:ext uri="{909E8E84-426E-40DD-AFC4-6F175D3DCCD1}">
-              <a14:hiddenFill xmlns:a14="http://schemas.microsoft.com/office/drawing/2010/main">
-                <a:solidFill>
-                  <a:schemeClr val="accent1"/>
-                </a:solidFill>
-              </a14:hiddenFill>
-            </a:ext>
-            <a:ext uri="{91240B29-F687-4F45-9708-019B960494DF}">
-              <a14:hiddenLine xmlns:a14="http://schemas.microsoft.com/office/drawing/2010/main" w="9525">
-                <a:solidFill>
-                  <a:schemeClr val="tx1"/>
-                </a:solidFill>
-                <a:miter lim="800000"/>
-                <a:headEnd/>
-                <a:tailEnd/>
-              </a14:hiddenLine>
-            </a:ext>
-          </a:extLst>
-        </p:spPr>
-      </p:pic>
-      <p:sp>
-        <p:nvSpPr>
-          <p:cNvPr id="4" name="TextBox 3"/>
-          <p:cNvSpPr txBox="1"/>
-          <p:nvPr/>
-        </p:nvSpPr>
-        <p:spPr>
-          <a:xfrm>
-            <a:off x="838200" y="2209800"/>
-            <a:ext cx="5334000" cy="369332"/>
-          </a:xfrm>
-          <a:prstGeom prst="rect">
-            <a:avLst/>
-          </a:prstGeom>
-          <a:noFill/>
-        </p:spPr>
-        <p:txBody>
-          <a:bodyPr wrap="square" rtlCol="0">
-            <a:spAutoFit/>
-          </a:bodyPr>
-          <a:lstStyle/>
-          <a:p>
-            <a:r>
-              <a:rPr lang="en-US" dirty="0" smtClean="0"/>
-              <a:t>For every dollar </a:t>
-            </a:r>
-            <a:endParaRPr lang="en-US" dirty="0"/>
-          </a:p>
-        </p:txBody>
-      </p:sp>
-      <p:pic>
-        <p:nvPicPr>
-          <p:cNvPr id="3074" name="Picture 2"/>
-          <p:cNvPicPr>
-            <a:picLocks noChangeAspect="1" noChangeArrowheads="1"/>
-          </p:cNvPicPr>
-          <p:nvPr/>
-        </p:nvPicPr>
-        <p:blipFill>
-          <a:blip r:embed="rId3">
-            <a:extLst>
-              <a:ext uri="{28A0092B-C50C-407E-A947-70E740481C1C}">
-                <a14:useLocalDpi xmlns:a14="http://schemas.microsoft.com/office/drawing/2010/main" val="0"/>
-              </a:ext>
-            </a:extLst>
-          </a:blip>
-          <a:srcRect/>
-          <a:stretch>
-            <a:fillRect/>
-          </a:stretch>
-        </p:blipFill>
-        <p:spPr bwMode="auto">
-          <a:xfrm>
-            <a:off x="381000" y="2666999"/>
-            <a:ext cx="7988300" cy="485775"/>
-          </a:xfrm>
-          <a:prstGeom prst="rect">
-            <a:avLst/>
-          </a:prstGeom>
-          <a:noFill/>
-          <a:ln>
-            <a:noFill/>
-          </a:ln>
-          <a:extLst>
-            <a:ext uri="{909E8E84-426E-40DD-AFC4-6F175D3DCCD1}">
-              <a14:hiddenFill xmlns:a14="http://schemas.microsoft.com/office/drawing/2010/main">
-                <a:solidFill>
-                  <a:schemeClr val="accent1"/>
-                </a:solidFill>
-              </a14:hiddenFill>
-            </a:ext>
-            <a:ext uri="{91240B29-F687-4F45-9708-019B960494DF}">
-              <a14:hiddenLine xmlns:a14="http://schemas.microsoft.com/office/drawing/2010/main" w="9525">
-                <a:solidFill>
-                  <a:schemeClr val="tx1"/>
-                </a:solidFill>
-                <a:miter lim="800000"/>
-                <a:headEnd/>
-                <a:tailEnd/>
-              </a14:hiddenLine>
-            </a:ext>
-          </a:extLst>
-        </p:spPr>
-      </p:pic>
-      <p:pic>
-        <p:nvPicPr>
-          <p:cNvPr id="3075" name="Picture 3"/>
-          <p:cNvPicPr>
-            <a:picLocks noChangeAspect="1" noChangeArrowheads="1"/>
-          </p:cNvPicPr>
-          <p:nvPr/>
-        </p:nvPicPr>
-        <p:blipFill>
-          <a:blip r:embed="rId4">
-            <a:extLst>
-              <a:ext uri="{28A0092B-C50C-407E-A947-70E740481C1C}">
-                <a14:useLocalDpi xmlns:a14="http://schemas.microsoft.com/office/drawing/2010/main" val="0"/>
-              </a:ext>
-            </a:extLst>
-          </a:blip>
-          <a:srcRect/>
-          <a:stretch>
-            <a:fillRect/>
-          </a:stretch>
-        </p:blipFill>
-        <p:spPr bwMode="auto">
-          <a:xfrm>
-            <a:off x="215050" y="3271684"/>
-            <a:ext cx="8978900" cy="533400"/>
-          </a:xfrm>
-          <a:prstGeom prst="rect">
-            <a:avLst/>
-          </a:prstGeom>
-          <a:noFill/>
-          <a:ln>
-            <a:noFill/>
-          </a:ln>
-          <a:extLst>
-            <a:ext uri="{909E8E84-426E-40DD-AFC4-6F175D3DCCD1}">
-              <a14:hiddenFill xmlns:a14="http://schemas.microsoft.com/office/drawing/2010/main">
-                <a:solidFill>
-                  <a:schemeClr val="accent1"/>
-                </a:solidFill>
-              </a14:hiddenFill>
-            </a:ext>
-            <a:ext uri="{91240B29-F687-4F45-9708-019B960494DF}">
-              <a14:hiddenLine xmlns:a14="http://schemas.microsoft.com/office/drawing/2010/main" w="9525">
-                <a:solidFill>
-                  <a:schemeClr val="tx1"/>
-                </a:solidFill>
-                <a:miter lim="800000"/>
-                <a:headEnd/>
-                <a:tailEnd/>
-              </a14:hiddenLine>
-            </a:ext>
-          </a:extLst>
-        </p:spPr>
-      </p:pic>
-      <p:pic>
-        <p:nvPicPr>
-          <p:cNvPr id="3076" name="Picture 4"/>
-          <p:cNvPicPr>
-            <a:picLocks noChangeAspect="1" noChangeArrowheads="1"/>
-          </p:cNvPicPr>
-          <p:nvPr/>
-        </p:nvPicPr>
-        <p:blipFill>
-          <a:blip r:embed="rId5">
-            <a:extLst>
-              <a:ext uri="{28A0092B-C50C-407E-A947-70E740481C1C}">
-                <a14:useLocalDpi xmlns:a14="http://schemas.microsoft.com/office/drawing/2010/main" val="0"/>
-              </a:ext>
-            </a:extLst>
-          </a:blip>
-          <a:srcRect/>
-          <a:stretch>
-            <a:fillRect/>
-          </a:stretch>
-        </p:blipFill>
-        <p:spPr bwMode="auto">
-          <a:xfrm>
-            <a:off x="381000" y="4038600"/>
-            <a:ext cx="8437418" cy="457200"/>
-          </a:xfrm>
-          <a:prstGeom prst="rect">
-            <a:avLst/>
-          </a:prstGeom>
-          <a:noFill/>
-          <a:ln>
-            <a:noFill/>
-          </a:ln>
-          <a:extLst>
-            <a:ext uri="{909E8E84-426E-40DD-AFC4-6F175D3DCCD1}">
-              <a14:hiddenFill xmlns:a14="http://schemas.microsoft.com/office/drawing/2010/main">
-                <a:solidFill>
-                  <a:schemeClr val="accent1"/>
-                </a:solidFill>
-              </a14:hiddenFill>
-            </a:ext>
-            <a:ext uri="{91240B29-F687-4F45-9708-019B960494DF}">
-              <a14:hiddenLine xmlns:a14="http://schemas.microsoft.com/office/drawing/2010/main" w="9525">
-                <a:solidFill>
-                  <a:schemeClr val="tx1"/>
-                </a:solidFill>
-                <a:miter lim="800000"/>
-                <a:headEnd/>
-                <a:tailEnd/>
-              </a14:hiddenLine>
-            </a:ext>
-          </a:extLst>
-        </p:spPr>
-      </p:pic>
-    </p:spTree>
-    <p:extLst>
-      <p:ext uri="{BB962C8B-B14F-4D97-AF65-F5344CB8AC3E}">
-        <p14:creationId xmlns:p14="http://schemas.microsoft.com/office/powerpoint/2010/main" val="1662937439"/>
-      </p:ext>
-    </p:extLst>
-  </p:cSld>
-  <p:clrMapOvr>
-    <a:masterClrMapping/>
-  </p:clrMapOvr>
-</p:sld>
-</file>
-
-<file path=ppt/slides/slide6.xml><?xml version="1.0" encoding="utf-8"?>
-<p:sld xmlns:a="http://schemas.openxmlformats.org/drawingml/2006/main" xmlns:r="http://schemas.openxmlformats.org/officeDocument/2006/relationships" xmlns:p="http://schemas.openxmlformats.org/presentationml/2006/main">
-  <p:cSld>
-    <p:spTree>
-      <p:nvGrpSpPr>
-        <p:cNvPr id="1" name=""/>
-        <p:cNvGrpSpPr/>
-        <p:nvPr/>
-      </p:nvGrpSpPr>
-      <p:grpSpPr>
-        <a:xfrm>
-          <a:off x="0" y="0"/>
-          <a:ext cx="0" cy="0"/>
-          <a:chOff x="0" y="0"/>
-          <a:chExt cx="0" cy="0"/>
-        </a:xfrm>
-      </p:grpSpPr>
-      <p:sp>
-        <p:nvSpPr>
-          <p:cNvPr id="2" name="TextBox 1"/>
-          <p:cNvSpPr txBox="1"/>
-          <p:nvPr/>
-        </p:nvSpPr>
-        <p:spPr>
-          <a:xfrm>
-            <a:off x="533400" y="32199"/>
-            <a:ext cx="8153400" cy="584775"/>
-          </a:xfrm>
-          <a:prstGeom prst="rect">
-            <a:avLst/>
-          </a:prstGeom>
-          <a:noFill/>
-        </p:spPr>
-        <p:txBody>
-          <a:bodyPr wrap="square" rtlCol="0">
-            <a:spAutoFit/>
-          </a:bodyPr>
-          <a:lstStyle/>
-          <a:p>
-            <a:r>
-              <a:rPr lang="en-US" sz="3200" dirty="0" smtClean="0"/>
-              <a:t>Buying A Home</a:t>
-            </a:r>
-            <a:endParaRPr lang="en-US" sz="3200" dirty="0"/>
-          </a:p>
-        </p:txBody>
-      </p:sp>
-      <p:pic>
-        <p:nvPicPr>
-          <p:cNvPr id="2050" name="Picture 2"/>
-          <p:cNvPicPr>
-            <a:picLocks noChangeAspect="1" noChangeArrowheads="1"/>
-          </p:cNvPicPr>
-          <p:nvPr/>
-        </p:nvPicPr>
-        <p:blipFill>
-          <a:blip r:embed="rId2">
-            <a:extLst>
-              <a:ext uri="{28A0092B-C50C-407E-A947-70E740481C1C}">
-                <a14:useLocalDpi xmlns:a14="http://schemas.microsoft.com/office/drawing/2010/main" val="0"/>
-              </a:ext>
-            </a:extLst>
-          </a:blip>
-          <a:srcRect/>
-          <a:stretch>
-            <a:fillRect/>
-          </a:stretch>
-        </p:blipFill>
-        <p:spPr bwMode="auto">
-          <a:xfrm>
-            <a:off x="152400" y="2177845"/>
-            <a:ext cx="8991600" cy="527724"/>
-          </a:xfrm>
-          <a:prstGeom prst="rect">
-            <a:avLst/>
-          </a:prstGeom>
-          <a:noFill/>
-          <a:ln>
-            <a:noFill/>
-          </a:ln>
-          <a:extLst>
-            <a:ext uri="{909E8E84-426E-40DD-AFC4-6F175D3DCCD1}">
-              <a14:hiddenFill xmlns:a14="http://schemas.microsoft.com/office/drawing/2010/main">
-                <a:solidFill>
-                  <a:schemeClr val="accent1"/>
-                </a:solidFill>
-              </a14:hiddenFill>
-            </a:ext>
-            <a:ext uri="{91240B29-F687-4F45-9708-019B960494DF}">
-              <a14:hiddenLine xmlns:a14="http://schemas.microsoft.com/office/drawing/2010/main" w="9525">
-                <a:solidFill>
-                  <a:schemeClr val="tx1"/>
-                </a:solidFill>
-                <a:miter lim="800000"/>
-                <a:headEnd/>
-                <a:tailEnd/>
-              </a14:hiddenLine>
-            </a:ext>
-          </a:extLst>
-        </p:spPr>
-      </p:pic>
-      <p:pic>
-        <p:nvPicPr>
-          <p:cNvPr id="2051" name="Picture 3"/>
-          <p:cNvPicPr>
-            <a:picLocks noChangeAspect="1" noChangeArrowheads="1"/>
-          </p:cNvPicPr>
-          <p:nvPr/>
-        </p:nvPicPr>
-        <p:blipFill>
-          <a:blip r:embed="rId3">
-            <a:extLst>
-              <a:ext uri="{28A0092B-C50C-407E-A947-70E740481C1C}">
-                <a14:useLocalDpi xmlns:a14="http://schemas.microsoft.com/office/drawing/2010/main" val="0"/>
-              </a:ext>
-            </a:extLst>
-          </a:blip>
-          <a:srcRect/>
-          <a:stretch>
-            <a:fillRect/>
-          </a:stretch>
-        </p:blipFill>
-        <p:spPr bwMode="auto">
-          <a:xfrm>
-            <a:off x="174031" y="3657600"/>
-            <a:ext cx="6909955" cy="1809750"/>
-          </a:xfrm>
-          <a:prstGeom prst="rect">
-            <a:avLst/>
-          </a:prstGeom>
-          <a:noFill/>
-          <a:ln>
-            <a:noFill/>
-          </a:ln>
-          <a:extLst>
-            <a:ext uri="{909E8E84-426E-40DD-AFC4-6F175D3DCCD1}">
-              <a14:hiddenFill xmlns:a14="http://schemas.microsoft.com/office/drawing/2010/main">
-                <a:solidFill>
-                  <a:schemeClr val="accent1"/>
-                </a:solidFill>
-              </a14:hiddenFill>
-            </a:ext>
-            <a:ext uri="{91240B29-F687-4F45-9708-019B960494DF}">
-              <a14:hiddenLine xmlns:a14="http://schemas.microsoft.com/office/drawing/2010/main" w="9525">
-                <a:solidFill>
-                  <a:schemeClr val="tx1"/>
-                </a:solidFill>
-                <a:miter lim="800000"/>
-                <a:headEnd/>
-                <a:tailEnd/>
-              </a14:hiddenLine>
-            </a:ext>
-          </a:extLst>
-        </p:spPr>
-      </p:pic>
-      <p:pic>
-        <p:nvPicPr>
-          <p:cNvPr id="2052" name="Picture 4"/>
-          <p:cNvPicPr>
-            <a:picLocks noChangeAspect="1" noChangeArrowheads="1"/>
-          </p:cNvPicPr>
-          <p:nvPr/>
-        </p:nvPicPr>
-        <p:blipFill>
-          <a:blip r:embed="rId4">
-            <a:extLst>
-              <a:ext uri="{28A0092B-C50C-407E-A947-70E740481C1C}">
-                <a14:useLocalDpi xmlns:a14="http://schemas.microsoft.com/office/drawing/2010/main" val="0"/>
-              </a:ext>
-            </a:extLst>
-          </a:blip>
-          <a:srcRect/>
-          <a:stretch>
-            <a:fillRect/>
-          </a:stretch>
-        </p:blipFill>
-        <p:spPr bwMode="auto">
-          <a:xfrm>
-            <a:off x="137160" y="2812534"/>
-            <a:ext cx="9006840" cy="434292"/>
-          </a:xfrm>
-          <a:prstGeom prst="rect">
-            <a:avLst/>
-          </a:prstGeom>
-          <a:noFill/>
-          <a:ln>
-            <a:noFill/>
-          </a:ln>
-          <a:extLst>
-            <a:ext uri="{909E8E84-426E-40DD-AFC4-6F175D3DCCD1}">
-              <a14:hiddenFill xmlns:a14="http://schemas.microsoft.com/office/drawing/2010/main">
-                <a:solidFill>
-                  <a:schemeClr val="accent1"/>
-                </a:solidFill>
-              </a14:hiddenFill>
-            </a:ext>
-            <a:ext uri="{91240B29-F687-4F45-9708-019B960494DF}">
-              <a14:hiddenLine xmlns:a14="http://schemas.microsoft.com/office/drawing/2010/main" w="9525">
-                <a:solidFill>
-                  <a:schemeClr val="tx1"/>
-                </a:solidFill>
-                <a:miter lim="800000"/>
-                <a:headEnd/>
-                <a:tailEnd/>
-              </a14:hiddenLine>
-            </a:ext>
-          </a:extLst>
-        </p:spPr>
-      </p:pic>
-    </p:spTree>
-    <p:extLst>
-      <p:ext uri="{BB962C8B-B14F-4D97-AF65-F5344CB8AC3E}">
-        <p14:creationId xmlns:p14="http://schemas.microsoft.com/office/powerpoint/2010/main" val="2018144906"/>
       </p:ext>
     </p:extLst>
   </p:cSld>

--- a/Final_Project_Presentation.pptx
+++ b/Final_Project_Presentation.pptx
@@ -6,9 +6,10 @@
   </p:sldMasterIdLst>
   <p:sldIdLst>
     <p:sldId id="256" r:id="rId2"/>
-    <p:sldId id="258" r:id="rId3"/>
-    <p:sldId id="262" r:id="rId4"/>
-    <p:sldId id="257" r:id="rId5"/>
+    <p:sldId id="264" r:id="rId3"/>
+    <p:sldId id="263" r:id="rId4"/>
+    <p:sldId id="266" r:id="rId5"/>
+    <p:sldId id="265" r:id="rId6"/>
   </p:sldIdLst>
   <p:sldSz cx="9144000" cy="6858000" type="screen4x3"/>
   <p:notesSz cx="6858000" cy="9144000"/>
@@ -291,7 +292,7 @@
           <a:p>
             <a:fld id="{ACDDD173-3DF7-447C-95A3-17EC58F12CAA}" type="datetimeFigureOut">
               <a:rPr lang="en-US" smtClean="0"/>
-              <a:t>3/8/2019</a:t>
+              <a:t>3/10/2019</a:t>
             </a:fld>
             <a:endParaRPr lang="en-US"/>
           </a:p>
@@ -461,7 +462,7 @@
           <a:p>
             <a:fld id="{ACDDD173-3DF7-447C-95A3-17EC58F12CAA}" type="datetimeFigureOut">
               <a:rPr lang="en-US" smtClean="0"/>
-              <a:t>3/8/2019</a:t>
+              <a:t>3/10/2019</a:t>
             </a:fld>
             <a:endParaRPr lang="en-US"/>
           </a:p>
@@ -641,7 +642,7 @@
           <a:p>
             <a:fld id="{ACDDD173-3DF7-447C-95A3-17EC58F12CAA}" type="datetimeFigureOut">
               <a:rPr lang="en-US" smtClean="0"/>
-              <a:t>3/8/2019</a:t>
+              <a:t>3/10/2019</a:t>
             </a:fld>
             <a:endParaRPr lang="en-US"/>
           </a:p>
@@ -811,7 +812,7 @@
           <a:p>
             <a:fld id="{ACDDD173-3DF7-447C-95A3-17EC58F12CAA}" type="datetimeFigureOut">
               <a:rPr lang="en-US" smtClean="0"/>
-              <a:t>3/8/2019</a:t>
+              <a:t>3/10/2019</a:t>
             </a:fld>
             <a:endParaRPr lang="en-US"/>
           </a:p>
@@ -1057,7 +1058,7 @@
           <a:p>
             <a:fld id="{ACDDD173-3DF7-447C-95A3-17EC58F12CAA}" type="datetimeFigureOut">
               <a:rPr lang="en-US" smtClean="0"/>
-              <a:t>3/8/2019</a:t>
+              <a:t>3/10/2019</a:t>
             </a:fld>
             <a:endParaRPr lang="en-US"/>
           </a:p>
@@ -1345,7 +1346,7 @@
           <a:p>
             <a:fld id="{ACDDD173-3DF7-447C-95A3-17EC58F12CAA}" type="datetimeFigureOut">
               <a:rPr lang="en-US" smtClean="0"/>
-              <a:t>3/8/2019</a:t>
+              <a:t>3/10/2019</a:t>
             </a:fld>
             <a:endParaRPr lang="en-US"/>
           </a:p>
@@ -1767,7 +1768,7 @@
           <a:p>
             <a:fld id="{ACDDD173-3DF7-447C-95A3-17EC58F12CAA}" type="datetimeFigureOut">
               <a:rPr lang="en-US" smtClean="0"/>
-              <a:t>3/8/2019</a:t>
+              <a:t>3/10/2019</a:t>
             </a:fld>
             <a:endParaRPr lang="en-US"/>
           </a:p>
@@ -1885,7 +1886,7 @@
           <a:p>
             <a:fld id="{ACDDD173-3DF7-447C-95A3-17EC58F12CAA}" type="datetimeFigureOut">
               <a:rPr lang="en-US" smtClean="0"/>
-              <a:t>3/8/2019</a:t>
+              <a:t>3/10/2019</a:t>
             </a:fld>
             <a:endParaRPr lang="en-US"/>
           </a:p>
@@ -1980,7 +1981,7 @@
           <a:p>
             <a:fld id="{ACDDD173-3DF7-447C-95A3-17EC58F12CAA}" type="datetimeFigureOut">
               <a:rPr lang="en-US" smtClean="0"/>
-              <a:t>3/8/2019</a:t>
+              <a:t>3/10/2019</a:t>
             </a:fld>
             <a:endParaRPr lang="en-US"/>
           </a:p>
@@ -2257,7 +2258,7 @@
           <a:p>
             <a:fld id="{ACDDD173-3DF7-447C-95A3-17EC58F12CAA}" type="datetimeFigureOut">
               <a:rPr lang="en-US" smtClean="0"/>
-              <a:t>3/8/2019</a:t>
+              <a:t>3/10/2019</a:t>
             </a:fld>
             <a:endParaRPr lang="en-US"/>
           </a:p>
@@ -2510,7 +2511,7 @@
           <a:p>
             <a:fld id="{ACDDD173-3DF7-447C-95A3-17EC58F12CAA}" type="datetimeFigureOut">
               <a:rPr lang="en-US" smtClean="0"/>
-              <a:t>3/8/2019</a:t>
+              <a:t>3/10/2019</a:t>
             </a:fld>
             <a:endParaRPr lang="en-US"/>
           </a:p>
@@ -2723,7 +2724,7 @@
           <a:p>
             <a:fld id="{ACDDD173-3DF7-447C-95A3-17EC58F12CAA}" type="datetimeFigureOut">
               <a:rPr lang="en-US" smtClean="0"/>
-              <a:t>3/8/2019</a:t>
+              <a:t>3/10/2019</a:t>
             </a:fld>
             <a:endParaRPr lang="en-US"/>
           </a:p>
@@ -3106,7 +3107,7 @@
           </p:cNvPicPr>
           <p:nvPr/>
         </p:nvPicPr>
-        <p:blipFill>
+        <p:blipFill rotWithShape="1">
           <a:blip r:embed="rId2">
             <a:extLst>
               <a:ext uri="{28A0092B-C50C-407E-A947-70E740481C1C}">
@@ -3114,15 +3115,13 @@
               </a:ext>
             </a:extLst>
           </a:blip>
-          <a:srcRect/>
-          <a:stretch>
-            <a:fillRect/>
-          </a:stretch>
+          <a:srcRect l="8074" t="8551" r="23321"/>
+          <a:stretch/>
         </p:blipFill>
         <p:spPr bwMode="auto">
           <a:xfrm>
-            <a:off x="1417082" y="1371600"/>
-            <a:ext cx="6255790" cy="4575578"/>
+            <a:off x="5867400" y="2246977"/>
+            <a:ext cx="3124200" cy="3278446"/>
           </a:xfrm>
           <a:prstGeom prst="rect">
             <a:avLst/>
@@ -3176,63 +3175,28 @@
           <a:p>
             <a:r>
               <a:rPr lang="en-US" sz="4000" dirty="0" smtClean="0"/>
-              <a:t>King County </a:t>
-            </a:r>
-            <a:r>
-              <a:rPr lang="en-US" sz="4000" dirty="0" smtClean="0"/>
-              <a:t>Washington</a:t>
+              <a:t>King County Washington</a:t>
             </a:r>
           </a:p>
           <a:p>
             <a:pPr algn="ctr"/>
             <a:r>
               <a:rPr lang="en-US" sz="2800" dirty="0" smtClean="0"/>
-              <a:t>Home Price Evaluation</a:t>
-            </a:r>
-            <a:endParaRPr lang="en-US" sz="2800" dirty="0" smtClean="0"/>
-          </a:p>
-        </p:txBody>
-      </p:sp>
-    </p:spTree>
-    <p:extLst>
-      <p:ext uri="{BB962C8B-B14F-4D97-AF65-F5344CB8AC3E}">
-        <p14:creationId xmlns:p14="http://schemas.microsoft.com/office/powerpoint/2010/main" val="3177343615"/>
-      </p:ext>
-    </p:extLst>
-  </p:cSld>
-  <p:clrMapOvr>
-    <a:masterClrMapping/>
-  </p:clrMapOvr>
-</p:sld>
-</file>
-
-<file path=ppt/slides/slide2.xml><?xml version="1.0" encoding="utf-8"?>
-<p:sld xmlns:a="http://schemas.openxmlformats.org/drawingml/2006/main" xmlns:r="http://schemas.openxmlformats.org/officeDocument/2006/relationships" xmlns:p="http://schemas.openxmlformats.org/presentationml/2006/main">
-  <p:cSld>
-    <p:spTree>
-      <p:nvGrpSpPr>
-        <p:cNvPr id="1" name=""/>
-        <p:cNvGrpSpPr/>
-        <p:nvPr/>
-      </p:nvGrpSpPr>
-      <p:grpSpPr>
-        <a:xfrm>
-          <a:off x="0" y="0"/>
-          <a:ext cx="0" cy="0"/>
-          <a:chOff x="0" y="0"/>
-          <a:chExt cx="0" cy="0"/>
-        </a:xfrm>
-      </p:grpSpPr>
+              <a:t>Home Sales Breakdown</a:t>
+            </a:r>
+          </a:p>
+        </p:txBody>
+      </p:sp>
       <p:pic>
         <p:nvPicPr>
-          <p:cNvPr id="3074" name="Picture 2"/>
+          <p:cNvPr id="5122" name="Picture 2"/>
           <p:cNvPicPr>
             <a:picLocks noChangeAspect="1" noChangeArrowheads="1"/>
           </p:cNvPicPr>
           <p:nvPr/>
         </p:nvPicPr>
         <p:blipFill>
-          <a:blip r:embed="rId2">
+          <a:blip r:embed="rId3">
             <a:extLst>
               <a:ext uri="{28A0092B-C50C-407E-A947-70E740481C1C}">
                 <a14:useLocalDpi xmlns:a14="http://schemas.microsoft.com/office/drawing/2010/main" val="0"/>
@@ -3246,8 +3210,8 @@
         </p:blipFill>
         <p:spPr bwMode="auto">
           <a:xfrm>
-            <a:off x="986137" y="609600"/>
-            <a:ext cx="7167263" cy="6096000"/>
+            <a:off x="152400" y="3886200"/>
+            <a:ext cx="5552767" cy="2762250"/>
           </a:xfrm>
           <a:prstGeom prst="rect">
             <a:avLst/>
@@ -3277,146 +3241,6 @@
           </a:extLst>
         </p:spPr>
       </p:pic>
-      <p:sp>
-        <p:nvSpPr>
-          <p:cNvPr id="4" name="TextBox 3"/>
-          <p:cNvSpPr txBox="1"/>
-          <p:nvPr/>
-        </p:nvSpPr>
-        <p:spPr>
-          <a:xfrm>
-            <a:off x="533400" y="32199"/>
-            <a:ext cx="8153400" cy="584775"/>
-          </a:xfrm>
-          <a:prstGeom prst="rect">
-            <a:avLst/>
-          </a:prstGeom>
-          <a:noFill/>
-        </p:spPr>
-        <p:txBody>
-          <a:bodyPr wrap="square" rtlCol="0">
-            <a:spAutoFit/>
-          </a:bodyPr>
-          <a:lstStyle/>
-          <a:p>
-            <a:r>
-              <a:rPr lang="en-US" sz="3200" dirty="0" smtClean="0"/>
-              <a:t>King County Property Dataset </a:t>
-            </a:r>
-            <a:endParaRPr lang="en-US" sz="3200" dirty="0"/>
-          </a:p>
-        </p:txBody>
-      </p:sp>
-    </p:spTree>
-    <p:extLst>
-      <p:ext uri="{BB962C8B-B14F-4D97-AF65-F5344CB8AC3E}">
-        <p14:creationId xmlns:p14="http://schemas.microsoft.com/office/powerpoint/2010/main" val="2670185250"/>
-      </p:ext>
-    </p:extLst>
-  </p:cSld>
-  <p:clrMapOvr>
-    <a:masterClrMapping/>
-  </p:clrMapOvr>
-</p:sld>
-</file>
-
-<file path=ppt/slides/slide3.xml><?xml version="1.0" encoding="utf-8"?>
-<p:sld xmlns:a="http://schemas.openxmlformats.org/drawingml/2006/main" xmlns:r="http://schemas.openxmlformats.org/officeDocument/2006/relationships" xmlns:p="http://schemas.openxmlformats.org/presentationml/2006/main">
-  <p:cSld>
-    <p:spTree>
-      <p:nvGrpSpPr>
-        <p:cNvPr id="1" name=""/>
-        <p:cNvGrpSpPr/>
-        <p:nvPr/>
-      </p:nvGrpSpPr>
-      <p:grpSpPr>
-        <a:xfrm>
-          <a:off x="0" y="0"/>
-          <a:ext cx="0" cy="0"/>
-          <a:chOff x="0" y="0"/>
-          <a:chExt cx="0" cy="0"/>
-        </a:xfrm>
-      </p:grpSpPr>
-      <p:sp>
-        <p:nvSpPr>
-          <p:cNvPr id="3" name="TextBox 2"/>
-          <p:cNvSpPr txBox="1"/>
-          <p:nvPr/>
-        </p:nvSpPr>
-        <p:spPr>
-          <a:xfrm>
-            <a:off x="533400" y="32199"/>
-            <a:ext cx="8153400" cy="584775"/>
-          </a:xfrm>
-          <a:prstGeom prst="rect">
-            <a:avLst/>
-          </a:prstGeom>
-          <a:noFill/>
-        </p:spPr>
-        <p:txBody>
-          <a:bodyPr wrap="square" rtlCol="0">
-            <a:spAutoFit/>
-          </a:bodyPr>
-          <a:lstStyle/>
-          <a:p>
-            <a:r>
-              <a:rPr lang="en-US" sz="3200" dirty="0" smtClean="0"/>
-              <a:t>Market Trends</a:t>
-            </a:r>
-            <a:endParaRPr lang="en-US" sz="3200" dirty="0"/>
-          </a:p>
-        </p:txBody>
-      </p:sp>
-      <p:sp>
-        <p:nvSpPr>
-          <p:cNvPr id="2" name="TextBox 1"/>
-          <p:cNvSpPr txBox="1"/>
-          <p:nvPr/>
-        </p:nvSpPr>
-        <p:spPr>
-          <a:xfrm>
-            <a:off x="533400" y="616974"/>
-            <a:ext cx="8153400" cy="923330"/>
-          </a:xfrm>
-          <a:prstGeom prst="rect">
-            <a:avLst/>
-          </a:prstGeom>
-          <a:noFill/>
-        </p:spPr>
-        <p:txBody>
-          <a:bodyPr wrap="square" rtlCol="0">
-            <a:spAutoFit/>
-          </a:bodyPr>
-          <a:lstStyle/>
-          <a:p>
-            <a:r>
-              <a:rPr lang="en-US" dirty="0" smtClean="0"/>
-              <a:t>Predictors – variables used to determine affects on home prices.</a:t>
-            </a:r>
-          </a:p>
-          <a:p>
-            <a:r>
-              <a:rPr lang="en-US" dirty="0" err="1" smtClean="0"/>
-              <a:t>Coef</a:t>
-            </a:r>
-            <a:r>
-              <a:rPr lang="en-US" dirty="0" smtClean="0"/>
-              <a:t> – amount increase in expected price if these are true</a:t>
-            </a:r>
-          </a:p>
-          <a:p>
-            <a:r>
-              <a:rPr lang="en-US" dirty="0" smtClean="0"/>
-              <a:t>P-Values – statistical acceptance of the </a:t>
-            </a:r>
-            <a:r>
-              <a:rPr lang="en-US" dirty="0" err="1" smtClean="0"/>
-              <a:t>Coef</a:t>
-            </a:r>
-            <a:endParaRPr lang="en-US" dirty="0"/>
-          </a:p>
-        </p:txBody>
-      </p:sp>
       <p:pic>
         <p:nvPicPr>
           <p:cNvPr id="5123" name="Picture 3"/>
@@ -3425,23 +3249,21 @@
           </p:cNvPicPr>
           <p:nvPr/>
         </p:nvPicPr>
-        <p:blipFill>
-          <a:blip r:embed="rId2">
+        <p:blipFill rotWithShape="1">
+          <a:blip r:embed="rId4">
             <a:extLst>
               <a:ext uri="{28A0092B-C50C-407E-A947-70E740481C1C}">
                 <a14:useLocalDpi xmlns:a14="http://schemas.microsoft.com/office/drawing/2010/main" val="0"/>
               </a:ext>
             </a:extLst>
           </a:blip>
-          <a:srcRect/>
-          <a:stretch>
-            <a:fillRect/>
-          </a:stretch>
+          <a:srcRect b="24676"/>
+          <a:stretch/>
         </p:blipFill>
         <p:spPr bwMode="auto">
           <a:xfrm>
-            <a:off x="903861" y="2236839"/>
-            <a:ext cx="7412477" cy="3657600"/>
+            <a:off x="174523" y="1371600"/>
+            <a:ext cx="5530644" cy="2489600"/>
           </a:xfrm>
           <a:prstGeom prst="rect">
             <a:avLst/>
@@ -3474,17 +3296,24 @@
     </p:spTree>
     <p:extLst>
       <p:ext uri="{BB962C8B-B14F-4D97-AF65-F5344CB8AC3E}">
-        <p14:creationId xmlns:p14="http://schemas.microsoft.com/office/powerpoint/2010/main" val="3469035368"/>
+        <p14:creationId xmlns:p14="http://schemas.microsoft.com/office/powerpoint/2010/main" val="3177343615"/>
       </p:ext>
     </p:extLst>
   </p:cSld>
   <p:clrMapOvr>
     <a:masterClrMapping/>
   </p:clrMapOvr>
+  <p:timing>
+    <p:tnLst>
+      <p:par>
+        <p:cTn id="1" dur="indefinite" restart="never" nodeType="tmRoot"/>
+      </p:par>
+    </p:tnLst>
+  </p:timing>
 </p:sld>
 </file>
 
-<file path=ppt/slides/slide4.xml><?xml version="1.0" encoding="utf-8"?>
+<file path=ppt/slides/slide2.xml><?xml version="1.0" encoding="utf-8"?>
 <p:sld xmlns:a="http://schemas.openxmlformats.org/drawingml/2006/main" xmlns:r="http://schemas.openxmlformats.org/officeDocument/2006/relationships" xmlns:p="http://schemas.openxmlformats.org/presentationml/2006/main">
   <p:cSld>
     <p:spTree>
@@ -3503,14 +3332,14 @@
       </p:grpSpPr>
       <p:sp>
         <p:nvSpPr>
-          <p:cNvPr id="6" name="TextBox 5"/>
+          <p:cNvPr id="2" name="TextBox 1"/>
           <p:cNvSpPr txBox="1"/>
           <p:nvPr/>
         </p:nvSpPr>
         <p:spPr>
           <a:xfrm>
-            <a:off x="533400" y="32199"/>
-            <a:ext cx="8153400" cy="584775"/>
+            <a:off x="838200" y="457200"/>
+            <a:ext cx="7543800" cy="1200329"/>
           </a:xfrm>
           <a:prstGeom prst="rect">
             <a:avLst/>
@@ -3524,20 +3353,15 @@
           <a:lstStyle/>
           <a:p>
             <a:r>
-              <a:rPr lang="en-US" sz="3200" dirty="0" smtClean="0"/>
-              <a:t>Appendix: Data </a:t>
-            </a:r>
-            <a:r>
-              <a:rPr lang="en-US" sz="3200" dirty="0" smtClean="0"/>
-              <a:t>Analysis</a:t>
-            </a:r>
-            <a:endParaRPr lang="en-US" sz="3200" dirty="0"/>
+              <a:rPr lang="en-US" dirty="0" smtClean="0"/>
+              <a:t>If you are looking to purchase or sell a home in King County, the best time of year is in the months of June and July, when the temperature starts to rise above 70 degrees Fahrenheit.  Home sales dip in the winter months, but show an uptick in April.</a:t>
+            </a:r>
           </a:p>
         </p:txBody>
       </p:sp>
       <p:pic>
         <p:nvPicPr>
-          <p:cNvPr id="1026" name="Picture 2"/>
+          <p:cNvPr id="2050" name="Picture 2"/>
           <p:cNvPicPr>
             <a:picLocks noChangeAspect="1" noChangeArrowheads="1"/>
           </p:cNvPicPr>
@@ -3558,62 +3382,8 @@
         </p:blipFill>
         <p:spPr bwMode="auto">
           <a:xfrm>
-            <a:off x="4486275" y="2540410"/>
-            <a:ext cx="4657725" cy="4305300"/>
-          </a:xfrm>
-          <a:prstGeom prst="rect">
-            <a:avLst/>
-          </a:prstGeom>
-          <a:noFill/>
-          <a:ln>
-            <a:noFill/>
-          </a:ln>
-          <a:extLst>
-            <a:ext uri="{909E8E84-426E-40DD-AFC4-6F175D3DCCD1}">
-              <a14:hiddenFill xmlns:a14="http://schemas.microsoft.com/office/drawing/2010/main">
-                <a:solidFill>
-                  <a:schemeClr val="accent1"/>
-                </a:solidFill>
-              </a14:hiddenFill>
-            </a:ext>
-            <a:ext uri="{91240B29-F687-4F45-9708-019B960494DF}">
-              <a14:hiddenLine xmlns:a14="http://schemas.microsoft.com/office/drawing/2010/main" w="9525">
-                <a:solidFill>
-                  <a:schemeClr val="tx1"/>
-                </a:solidFill>
-                <a:miter lim="800000"/>
-                <a:headEnd/>
-                <a:tailEnd/>
-              </a14:hiddenLine>
-            </a:ext>
-          </a:extLst>
-        </p:spPr>
-      </p:pic>
-      <p:pic>
-        <p:nvPicPr>
-          <p:cNvPr id="1027" name="Picture 3"/>
-          <p:cNvPicPr>
-            <a:picLocks noChangeAspect="1" noChangeArrowheads="1"/>
-          </p:cNvPicPr>
-          <p:nvPr/>
-        </p:nvPicPr>
-        <p:blipFill>
-          <a:blip r:embed="rId3">
-            <a:extLst>
-              <a:ext uri="{28A0092B-C50C-407E-A947-70E740481C1C}">
-                <a14:useLocalDpi xmlns:a14="http://schemas.microsoft.com/office/drawing/2010/main" val="0"/>
-              </a:ext>
-            </a:extLst>
-          </a:blip>
-          <a:srcRect/>
-          <a:stretch>
-            <a:fillRect/>
-          </a:stretch>
-        </p:blipFill>
-        <p:spPr bwMode="auto">
-          <a:xfrm>
-            <a:off x="5133360" y="324586"/>
-            <a:ext cx="3990975" cy="2209800"/>
+            <a:off x="486697" y="1600200"/>
+            <a:ext cx="8153400" cy="4760638"/>
           </a:xfrm>
           <a:prstGeom prst="rect">
             <a:avLst/>
@@ -3646,7 +3416,616 @@
     </p:spTree>
     <p:extLst>
       <p:ext uri="{BB962C8B-B14F-4D97-AF65-F5344CB8AC3E}">
-        <p14:creationId xmlns:p14="http://schemas.microsoft.com/office/powerpoint/2010/main" val="3782212089"/>
+        <p14:creationId xmlns:p14="http://schemas.microsoft.com/office/powerpoint/2010/main" val="1294580095"/>
+      </p:ext>
+    </p:extLst>
+  </p:cSld>
+  <p:clrMapOvr>
+    <a:masterClrMapping/>
+  </p:clrMapOvr>
+</p:sld>
+</file>
+
+<file path=ppt/slides/slide3.xml><?xml version="1.0" encoding="utf-8"?>
+<p:sld xmlns:a="http://schemas.openxmlformats.org/drawingml/2006/main" xmlns:r="http://schemas.openxmlformats.org/officeDocument/2006/relationships" xmlns:p="http://schemas.openxmlformats.org/presentationml/2006/main">
+  <p:cSld>
+    <p:spTree>
+      <p:nvGrpSpPr>
+        <p:cNvPr id="1" name=""/>
+        <p:cNvGrpSpPr/>
+        <p:nvPr/>
+      </p:nvGrpSpPr>
+      <p:grpSpPr>
+        <a:xfrm>
+          <a:off x="0" y="0"/>
+          <a:ext cx="0" cy="0"/>
+          <a:chOff x="0" y="0"/>
+          <a:chExt cx="0" cy="0"/>
+        </a:xfrm>
+      </p:grpSpPr>
+      <p:sp>
+        <p:nvSpPr>
+          <p:cNvPr id="2" name="TextBox 1"/>
+          <p:cNvSpPr txBox="1"/>
+          <p:nvPr/>
+        </p:nvSpPr>
+        <p:spPr>
+          <a:xfrm>
+            <a:off x="381000" y="324465"/>
+            <a:ext cx="8305800" cy="923330"/>
+          </a:xfrm>
+          <a:prstGeom prst="rect">
+            <a:avLst/>
+          </a:prstGeom>
+          <a:noFill/>
+        </p:spPr>
+        <p:txBody>
+          <a:bodyPr wrap="square" rtlCol="0">
+            <a:spAutoFit/>
+          </a:bodyPr>
+          <a:lstStyle/>
+          <a:p>
+            <a:r>
+              <a:rPr lang="en-US" dirty="0" smtClean="0"/>
+              <a:t>Two of the top three hottest areas for home sales in King County are outlined below.  These areas are the neighborhoods located in zip codes 98103 and 98115.  By average, a home sold in one of these areas adds $172,900 to the home value. </a:t>
+            </a:r>
+            <a:endParaRPr lang="en-US" dirty="0"/>
+          </a:p>
+        </p:txBody>
+      </p:sp>
+      <p:grpSp>
+        <p:nvGrpSpPr>
+          <p:cNvPr id="3" name="Group 2"/>
+          <p:cNvGrpSpPr/>
+          <p:nvPr/>
+        </p:nvGrpSpPr>
+        <p:grpSpPr>
+          <a:xfrm>
+            <a:off x="1066800" y="1430683"/>
+            <a:ext cx="7010400" cy="5263596"/>
+            <a:chOff x="3200400" y="781971"/>
+            <a:chExt cx="7587713" cy="5923629"/>
+          </a:xfrm>
+        </p:grpSpPr>
+        <p:pic>
+          <p:nvPicPr>
+            <p:cNvPr id="3080" name="Picture 8"/>
+            <p:cNvPicPr>
+              <a:picLocks noChangeAspect="1" noChangeArrowheads="1"/>
+            </p:cNvPicPr>
+            <p:nvPr/>
+          </p:nvPicPr>
+          <p:blipFill rotWithShape="1">
+            <a:blip r:embed="rId2">
+              <a:extLst>
+                <a:ext uri="{28A0092B-C50C-407E-A947-70E740481C1C}">
+                  <a14:useLocalDpi xmlns:a14="http://schemas.microsoft.com/office/drawing/2010/main" val="0"/>
+                </a:ext>
+              </a:extLst>
+            </a:blip>
+            <a:srcRect l="29892"/>
+            <a:stretch/>
+          </p:blipFill>
+          <p:spPr bwMode="auto">
+            <a:xfrm>
+              <a:off x="5212178" y="781971"/>
+              <a:ext cx="5575935" cy="5838825"/>
+            </a:xfrm>
+            <a:prstGeom prst="rect">
+              <a:avLst/>
+            </a:prstGeom>
+            <a:noFill/>
+            <a:ln>
+              <a:noFill/>
+            </a:ln>
+            <a:extLst>
+              <a:ext uri="{909E8E84-426E-40DD-AFC4-6F175D3DCCD1}">
+                <a14:hiddenFill xmlns:a14="http://schemas.microsoft.com/office/drawing/2010/main">
+                  <a:solidFill>
+                    <a:schemeClr val="accent1"/>
+                  </a:solidFill>
+                </a14:hiddenFill>
+              </a:ext>
+              <a:ext uri="{91240B29-F687-4F45-9708-019B960494DF}">
+                <a14:hiddenLine xmlns:a14="http://schemas.microsoft.com/office/drawing/2010/main" w="9525">
+                  <a:solidFill>
+                    <a:schemeClr val="tx1"/>
+                  </a:solidFill>
+                  <a:miter lim="800000"/>
+                  <a:headEnd/>
+                  <a:tailEnd/>
+                </a14:hiddenLine>
+              </a:ext>
+            </a:extLst>
+          </p:spPr>
+        </p:pic>
+        <p:pic>
+          <p:nvPicPr>
+            <p:cNvPr id="3079" name="Picture 7"/>
+            <p:cNvPicPr>
+              <a:picLocks noChangeAspect="1" noChangeArrowheads="1"/>
+            </p:cNvPicPr>
+            <p:nvPr/>
+          </p:nvPicPr>
+          <p:blipFill rotWithShape="1">
+            <a:blip r:embed="rId3">
+              <a:extLst>
+                <a:ext uri="{28A0092B-C50C-407E-A947-70E740481C1C}">
+                  <a14:useLocalDpi xmlns:a14="http://schemas.microsoft.com/office/drawing/2010/main" val="0"/>
+                </a:ext>
+              </a:extLst>
+            </a:blip>
+            <a:srcRect r="70798"/>
+            <a:stretch/>
+          </p:blipFill>
+          <p:spPr bwMode="auto">
+            <a:xfrm>
+              <a:off x="3200400" y="847725"/>
+              <a:ext cx="2194560" cy="5857875"/>
+            </a:xfrm>
+            <a:prstGeom prst="rect">
+              <a:avLst/>
+            </a:prstGeom>
+            <a:noFill/>
+            <a:ln>
+              <a:noFill/>
+            </a:ln>
+            <a:extLst>
+              <a:ext uri="{909E8E84-426E-40DD-AFC4-6F175D3DCCD1}">
+                <a14:hiddenFill xmlns:a14="http://schemas.microsoft.com/office/drawing/2010/main">
+                  <a:solidFill>
+                    <a:schemeClr val="accent1"/>
+                  </a:solidFill>
+                </a14:hiddenFill>
+              </a:ext>
+              <a:ext uri="{91240B29-F687-4F45-9708-019B960494DF}">
+                <a14:hiddenLine xmlns:a14="http://schemas.microsoft.com/office/drawing/2010/main" w="9525">
+                  <a:solidFill>
+                    <a:schemeClr val="tx1"/>
+                  </a:solidFill>
+                  <a:miter lim="800000"/>
+                  <a:headEnd/>
+                  <a:tailEnd/>
+                </a14:hiddenLine>
+              </a:ext>
+            </a:extLst>
+          </p:spPr>
+        </p:pic>
+      </p:grpSp>
+    </p:spTree>
+    <p:extLst>
+      <p:ext uri="{BB962C8B-B14F-4D97-AF65-F5344CB8AC3E}">
+        <p14:creationId xmlns:p14="http://schemas.microsoft.com/office/powerpoint/2010/main" val="406943868"/>
+      </p:ext>
+    </p:extLst>
+  </p:cSld>
+  <p:clrMapOvr>
+    <a:masterClrMapping/>
+  </p:clrMapOvr>
+</p:sld>
+</file>
+
+<file path=ppt/slides/slide4.xml><?xml version="1.0" encoding="utf-8"?>
+<p:sld xmlns:a="http://schemas.openxmlformats.org/drawingml/2006/main" xmlns:r="http://schemas.openxmlformats.org/officeDocument/2006/relationships" xmlns:p="http://schemas.openxmlformats.org/presentationml/2006/main">
+  <p:cSld>
+    <p:spTree>
+      <p:nvGrpSpPr>
+        <p:cNvPr id="1" name=""/>
+        <p:cNvGrpSpPr/>
+        <p:nvPr/>
+      </p:nvGrpSpPr>
+      <p:grpSpPr>
+        <a:xfrm>
+          <a:off x="0" y="0"/>
+          <a:ext cx="0" cy="0"/>
+          <a:chOff x="0" y="0"/>
+          <a:chExt cx="0" cy="0"/>
+        </a:xfrm>
+      </p:grpSpPr>
+      <p:sp>
+        <p:nvSpPr>
+          <p:cNvPr id="2" name="TextBox 1"/>
+          <p:cNvSpPr txBox="1"/>
+          <p:nvPr/>
+        </p:nvSpPr>
+        <p:spPr>
+          <a:xfrm>
+            <a:off x="685800" y="76200"/>
+            <a:ext cx="7620000" cy="1200329"/>
+          </a:xfrm>
+          <a:prstGeom prst="rect">
+            <a:avLst/>
+          </a:prstGeom>
+          <a:noFill/>
+        </p:spPr>
+        <p:txBody>
+          <a:bodyPr wrap="square" rtlCol="0">
+            <a:spAutoFit/>
+          </a:bodyPr>
+          <a:lstStyle/>
+          <a:p>
+            <a:r>
+              <a:rPr lang="en-US" dirty="0" smtClean="0"/>
+              <a:t>The largest city in King County, Seattle, has a </a:t>
+            </a:r>
+            <a:r>
+              <a:rPr lang="en-US" dirty="0"/>
+              <a:t>total of </a:t>
+            </a:r>
+            <a:r>
+              <a:rPr lang="en-US" dirty="0" smtClean="0"/>
+              <a:t>200 </a:t>
+            </a:r>
+            <a:r>
+              <a:rPr lang="en-US" dirty="0"/>
+              <a:t>miles of </a:t>
+            </a:r>
+            <a:r>
+              <a:rPr lang="en-US" dirty="0" smtClean="0"/>
+              <a:t>freshwater and saltwater shoreline.  </a:t>
+            </a:r>
+          </a:p>
+          <a:p>
+            <a:r>
+              <a:rPr lang="en-US" dirty="0" smtClean="0"/>
+              <a:t>On average, having a home on the waterfront can boost the value of your property $553,200.  </a:t>
+            </a:r>
+          </a:p>
+        </p:txBody>
+      </p:sp>
+      <p:pic>
+        <p:nvPicPr>
+          <p:cNvPr id="4098" name="Picture 2"/>
+          <p:cNvPicPr>
+            <a:picLocks noChangeAspect="1" noChangeArrowheads="1"/>
+          </p:cNvPicPr>
+          <p:nvPr/>
+        </p:nvPicPr>
+        <p:blipFill>
+          <a:blip r:embed="rId2">
+            <a:extLst>
+              <a:ext uri="{28A0092B-C50C-407E-A947-70E740481C1C}">
+                <a14:useLocalDpi xmlns:a14="http://schemas.microsoft.com/office/drawing/2010/main" val="0"/>
+              </a:ext>
+            </a:extLst>
+          </a:blip>
+          <a:srcRect/>
+          <a:stretch>
+            <a:fillRect/>
+          </a:stretch>
+        </p:blipFill>
+        <p:spPr bwMode="auto">
+          <a:xfrm>
+            <a:off x="4625156" y="1333193"/>
+            <a:ext cx="4467225" cy="3214534"/>
+          </a:xfrm>
+          <a:prstGeom prst="rect">
+            <a:avLst/>
+          </a:prstGeom>
+          <a:noFill/>
+          <a:ln>
+            <a:noFill/>
+          </a:ln>
+          <a:extLst>
+            <a:ext uri="{909E8E84-426E-40DD-AFC4-6F175D3DCCD1}">
+              <a14:hiddenFill xmlns:a14="http://schemas.microsoft.com/office/drawing/2010/main">
+                <a:solidFill>
+                  <a:schemeClr val="accent1"/>
+                </a:solidFill>
+              </a14:hiddenFill>
+            </a:ext>
+            <a:ext uri="{91240B29-F687-4F45-9708-019B960494DF}">
+              <a14:hiddenLine xmlns:a14="http://schemas.microsoft.com/office/drawing/2010/main" w="9525">
+                <a:solidFill>
+                  <a:schemeClr val="tx1"/>
+                </a:solidFill>
+                <a:miter lim="800000"/>
+                <a:headEnd/>
+                <a:tailEnd/>
+              </a14:hiddenLine>
+            </a:ext>
+          </a:extLst>
+        </p:spPr>
+      </p:pic>
+      <p:pic>
+        <p:nvPicPr>
+          <p:cNvPr id="4099" name="Picture 3"/>
+          <p:cNvPicPr>
+            <a:picLocks noChangeAspect="1" noChangeArrowheads="1"/>
+          </p:cNvPicPr>
+          <p:nvPr/>
+        </p:nvPicPr>
+        <p:blipFill>
+          <a:blip r:embed="rId3">
+            <a:extLst>
+              <a:ext uri="{28A0092B-C50C-407E-A947-70E740481C1C}">
+                <a14:useLocalDpi xmlns:a14="http://schemas.microsoft.com/office/drawing/2010/main" val="0"/>
+              </a:ext>
+            </a:extLst>
+          </a:blip>
+          <a:srcRect/>
+          <a:stretch>
+            <a:fillRect/>
+          </a:stretch>
+        </p:blipFill>
+        <p:spPr bwMode="auto">
+          <a:xfrm>
+            <a:off x="104775" y="1328277"/>
+            <a:ext cx="4495800" cy="3219450"/>
+          </a:xfrm>
+          <a:prstGeom prst="rect">
+            <a:avLst/>
+          </a:prstGeom>
+          <a:noFill/>
+          <a:ln>
+            <a:noFill/>
+          </a:ln>
+          <a:extLst>
+            <a:ext uri="{909E8E84-426E-40DD-AFC4-6F175D3DCCD1}">
+              <a14:hiddenFill xmlns:a14="http://schemas.microsoft.com/office/drawing/2010/main">
+                <a:solidFill>
+                  <a:schemeClr val="accent1"/>
+                </a:solidFill>
+              </a14:hiddenFill>
+            </a:ext>
+            <a:ext uri="{91240B29-F687-4F45-9708-019B960494DF}">
+              <a14:hiddenLine xmlns:a14="http://schemas.microsoft.com/office/drawing/2010/main" w="9525">
+                <a:solidFill>
+                  <a:schemeClr val="tx1"/>
+                </a:solidFill>
+                <a:miter lim="800000"/>
+                <a:headEnd/>
+                <a:tailEnd/>
+              </a14:hiddenLine>
+            </a:ext>
+          </a:extLst>
+        </p:spPr>
+      </p:pic>
+      <p:pic>
+        <p:nvPicPr>
+          <p:cNvPr id="4100" name="Picture 4"/>
+          <p:cNvPicPr>
+            <a:picLocks noChangeAspect="1" noChangeArrowheads="1"/>
+          </p:cNvPicPr>
+          <p:nvPr/>
+        </p:nvPicPr>
+        <p:blipFill rotWithShape="1">
+          <a:blip r:embed="rId4">
+            <a:extLst>
+              <a:ext uri="{28A0092B-C50C-407E-A947-70E740481C1C}">
+                <a14:useLocalDpi xmlns:a14="http://schemas.microsoft.com/office/drawing/2010/main" val="0"/>
+              </a:ext>
+            </a:extLst>
+          </a:blip>
+          <a:srcRect l="13442" r="13442"/>
+          <a:stretch/>
+        </p:blipFill>
+        <p:spPr bwMode="auto">
+          <a:xfrm>
+            <a:off x="0" y="4572000"/>
+            <a:ext cx="9144000" cy="2057400"/>
+          </a:xfrm>
+          <a:prstGeom prst="rect">
+            <a:avLst/>
+          </a:prstGeom>
+          <a:noFill/>
+          <a:ln>
+            <a:noFill/>
+          </a:ln>
+          <a:extLst>
+            <a:ext uri="{909E8E84-426E-40DD-AFC4-6F175D3DCCD1}">
+              <a14:hiddenFill xmlns:a14="http://schemas.microsoft.com/office/drawing/2010/main">
+                <a:solidFill>
+                  <a:schemeClr val="accent1"/>
+                </a:solidFill>
+              </a14:hiddenFill>
+            </a:ext>
+            <a:ext uri="{91240B29-F687-4F45-9708-019B960494DF}">
+              <a14:hiddenLine xmlns:a14="http://schemas.microsoft.com/office/drawing/2010/main" w="9525">
+                <a:solidFill>
+                  <a:schemeClr val="tx1"/>
+                </a:solidFill>
+                <a:miter lim="800000"/>
+                <a:headEnd/>
+                <a:tailEnd/>
+              </a14:hiddenLine>
+            </a:ext>
+          </a:extLst>
+        </p:spPr>
+      </p:pic>
+    </p:spTree>
+    <p:extLst>
+      <p:ext uri="{BB962C8B-B14F-4D97-AF65-F5344CB8AC3E}">
+        <p14:creationId xmlns:p14="http://schemas.microsoft.com/office/powerpoint/2010/main" val="1482007789"/>
+      </p:ext>
+    </p:extLst>
+  </p:cSld>
+  <p:clrMapOvr>
+    <a:masterClrMapping/>
+  </p:clrMapOvr>
+</p:sld>
+</file>
+
+<file path=ppt/slides/slide5.xml><?xml version="1.0" encoding="utf-8"?>
+<p:sld xmlns:a="http://schemas.openxmlformats.org/drawingml/2006/main" xmlns:r="http://schemas.openxmlformats.org/officeDocument/2006/relationships" xmlns:p="http://schemas.openxmlformats.org/presentationml/2006/main">
+  <p:cSld>
+    <p:spTree>
+      <p:nvGrpSpPr>
+        <p:cNvPr id="1" name=""/>
+        <p:cNvGrpSpPr/>
+        <p:nvPr/>
+      </p:nvGrpSpPr>
+      <p:grpSpPr>
+        <a:xfrm>
+          <a:off x="0" y="0"/>
+          <a:ext cx="0" cy="0"/>
+          <a:chOff x="0" y="0"/>
+          <a:chExt cx="0" cy="0"/>
+        </a:xfrm>
+      </p:grpSpPr>
+      <p:sp>
+        <p:nvSpPr>
+          <p:cNvPr id="2" name="TextBox 1"/>
+          <p:cNvSpPr txBox="1"/>
+          <p:nvPr/>
+        </p:nvSpPr>
+        <p:spPr>
+          <a:xfrm>
+            <a:off x="228600" y="76200"/>
+            <a:ext cx="8610600" cy="2446824"/>
+          </a:xfrm>
+          <a:prstGeom prst="rect">
+            <a:avLst/>
+          </a:prstGeom>
+          <a:noFill/>
+        </p:spPr>
+        <p:txBody>
+          <a:bodyPr wrap="square" rtlCol="0">
+            <a:spAutoFit/>
+          </a:bodyPr>
+          <a:lstStyle/>
+          <a:p>
+            <a:r>
+              <a:rPr lang="en-US" sz="1700" dirty="0" smtClean="0"/>
+              <a:t>Here is the breakdown of waterfront homes by grade.  The grading system devised by King County uses an index of 1-14.  The county will grade a property 1-3 if it falls short of building construction and design, an average grade is 7, and a grade of 11-13 shows a high level of building quality and design.</a:t>
+            </a:r>
+          </a:p>
+          <a:p>
+            <a:endParaRPr lang="en-US" sz="1700" dirty="0" smtClean="0"/>
+          </a:p>
+          <a:p>
+            <a:r>
+              <a:rPr lang="en-US" sz="1700" dirty="0" smtClean="0"/>
+              <a:t>The graph below shows how many waterfront homes were sold between 05/14 – 05/15 by grade.  The table to the bottom right shows the average, or mean, price of the waterfront homes by grade.   </a:t>
+            </a:r>
+            <a:r>
+              <a:rPr lang="en-US" sz="1700" dirty="0" smtClean="0"/>
+              <a:t>There ar</a:t>
+            </a:r>
+            <a:r>
+              <a:rPr lang="en-US" sz="1700" dirty="0" smtClean="0"/>
+              <a:t>e a wide range of prices if you are considering purchasing a home on the waterfront.</a:t>
+            </a:r>
+            <a:r>
+              <a:rPr lang="en-US" sz="1700" dirty="0" smtClean="0"/>
+              <a:t> </a:t>
+            </a:r>
+            <a:endParaRPr lang="en-US" sz="1700" dirty="0" smtClean="0"/>
+          </a:p>
+        </p:txBody>
+      </p:sp>
+      <p:pic>
+        <p:nvPicPr>
+          <p:cNvPr id="1027" name="Picture 3"/>
+          <p:cNvPicPr>
+            <a:picLocks noChangeAspect="1" noChangeArrowheads="1"/>
+          </p:cNvPicPr>
+          <p:nvPr/>
+        </p:nvPicPr>
+        <p:blipFill>
+          <a:blip r:embed="rId2">
+            <a:extLst>
+              <a:ext uri="{28A0092B-C50C-407E-A947-70E740481C1C}">
+                <a14:useLocalDpi xmlns:a14="http://schemas.microsoft.com/office/drawing/2010/main" val="0"/>
+              </a:ext>
+            </a:extLst>
+          </a:blip>
+          <a:srcRect/>
+          <a:stretch>
+            <a:fillRect/>
+          </a:stretch>
+        </p:blipFill>
+        <p:spPr bwMode="auto">
+          <a:xfrm>
+            <a:off x="7238999" y="2667000"/>
+            <a:ext cx="1796845" cy="3308477"/>
+          </a:xfrm>
+          <a:prstGeom prst="rect">
+            <a:avLst/>
+          </a:prstGeom>
+          <a:noFill/>
+          <a:ln>
+            <a:noFill/>
+          </a:ln>
+          <a:extLst>
+            <a:ext uri="{909E8E84-426E-40DD-AFC4-6F175D3DCCD1}">
+              <a14:hiddenFill xmlns:a14="http://schemas.microsoft.com/office/drawing/2010/main">
+                <a:solidFill>
+                  <a:schemeClr val="accent1"/>
+                </a:solidFill>
+              </a14:hiddenFill>
+            </a:ext>
+            <a:ext uri="{91240B29-F687-4F45-9708-019B960494DF}">
+              <a14:hiddenLine xmlns:a14="http://schemas.microsoft.com/office/drawing/2010/main" w="9525">
+                <a:solidFill>
+                  <a:schemeClr val="tx1"/>
+                </a:solidFill>
+                <a:miter lim="800000"/>
+                <a:headEnd/>
+                <a:tailEnd/>
+              </a14:hiddenLine>
+            </a:ext>
+          </a:extLst>
+        </p:spPr>
+      </p:pic>
+      <p:pic>
+        <p:nvPicPr>
+          <p:cNvPr id="1028" name="Picture 4"/>
+          <p:cNvPicPr>
+            <a:picLocks noChangeAspect="1" noChangeArrowheads="1"/>
+          </p:cNvPicPr>
+          <p:nvPr/>
+        </p:nvPicPr>
+        <p:blipFill>
+          <a:blip r:embed="rId3">
+            <a:extLst>
+              <a:ext uri="{28A0092B-C50C-407E-A947-70E740481C1C}">
+                <a14:useLocalDpi xmlns:a14="http://schemas.microsoft.com/office/drawing/2010/main" val="0"/>
+              </a:ext>
+            </a:extLst>
+          </a:blip>
+          <a:srcRect/>
+          <a:stretch>
+            <a:fillRect/>
+          </a:stretch>
+        </p:blipFill>
+        <p:spPr bwMode="auto">
+          <a:xfrm>
+            <a:off x="0" y="2438400"/>
+            <a:ext cx="7239000" cy="4327663"/>
+          </a:xfrm>
+          <a:prstGeom prst="rect">
+            <a:avLst/>
+          </a:prstGeom>
+          <a:noFill/>
+          <a:ln>
+            <a:noFill/>
+          </a:ln>
+          <a:extLst>
+            <a:ext uri="{909E8E84-426E-40DD-AFC4-6F175D3DCCD1}">
+              <a14:hiddenFill xmlns:a14="http://schemas.microsoft.com/office/drawing/2010/main">
+                <a:solidFill>
+                  <a:schemeClr val="accent1"/>
+                </a:solidFill>
+              </a14:hiddenFill>
+            </a:ext>
+            <a:ext uri="{91240B29-F687-4F45-9708-019B960494DF}">
+              <a14:hiddenLine xmlns:a14="http://schemas.microsoft.com/office/drawing/2010/main" w="9525">
+                <a:solidFill>
+                  <a:schemeClr val="tx1"/>
+                </a:solidFill>
+                <a:miter lim="800000"/>
+                <a:headEnd/>
+                <a:tailEnd/>
+              </a14:hiddenLine>
+            </a:ext>
+          </a:extLst>
+        </p:spPr>
+      </p:pic>
+    </p:spTree>
+    <p:extLst>
+      <p:ext uri="{BB962C8B-B14F-4D97-AF65-F5344CB8AC3E}">
+        <p14:creationId xmlns:p14="http://schemas.microsoft.com/office/powerpoint/2010/main" val="218741369"/>
       </p:ext>
     </p:extLst>
   </p:cSld>
